--- a/2. Back-end/4. Srping Framework/Bài 29. Spring Core - Tìm hiểu Spring FrameWork/Tổng quan về Spring Framework.pptx
+++ b/2. Back-end/4. Srping Framework/Bài 29. Spring Core - Tìm hiểu Spring FrameWork/Tổng quan về Spring Framework.pptx
@@ -309,7 +309,7 @@
             <a:fld id="{1D8BD707-D9CF-40AE-B4C6-C98DA3205C09}" type="datetimeFigureOut">
               <a:rPr lang="en-US" smtClean="0"/>
               <a:pPr/>
-              <a:t>8/14/2018</a:t>
+              <a:t>10/12/2018</a:t>
             </a:fld>
             <a:endParaRPr lang="en-US"/>
           </a:p>
@@ -476,7 +476,7 @@
             <a:fld id="{1D8BD707-D9CF-40AE-B4C6-C98DA3205C09}" type="datetimeFigureOut">
               <a:rPr lang="en-US" smtClean="0"/>
               <a:pPr/>
-              <a:t>8/14/2018</a:t>
+              <a:t>10/12/2018</a:t>
             </a:fld>
             <a:endParaRPr lang="en-US"/>
           </a:p>
@@ -653,7 +653,7 @@
             <a:fld id="{1D8BD707-D9CF-40AE-B4C6-C98DA3205C09}" type="datetimeFigureOut">
               <a:rPr lang="en-US" smtClean="0"/>
               <a:pPr/>
-              <a:t>8/14/2018</a:t>
+              <a:t>10/12/2018</a:t>
             </a:fld>
             <a:endParaRPr lang="en-US"/>
           </a:p>
@@ -820,7 +820,7 @@
             <a:fld id="{1D8BD707-D9CF-40AE-B4C6-C98DA3205C09}" type="datetimeFigureOut">
               <a:rPr lang="en-US" smtClean="0"/>
               <a:pPr/>
-              <a:t>8/14/2018</a:t>
+              <a:t>10/12/2018</a:t>
             </a:fld>
             <a:endParaRPr lang="en-US"/>
           </a:p>
@@ -1063,7 +1063,7 @@
             <a:fld id="{1D8BD707-D9CF-40AE-B4C6-C98DA3205C09}" type="datetimeFigureOut">
               <a:rPr lang="en-US" smtClean="0"/>
               <a:pPr/>
-              <a:t>8/14/2018</a:t>
+              <a:t>10/12/2018</a:t>
             </a:fld>
             <a:endParaRPr lang="en-US"/>
           </a:p>
@@ -1348,7 +1348,7 @@
             <a:fld id="{1D8BD707-D9CF-40AE-B4C6-C98DA3205C09}" type="datetimeFigureOut">
               <a:rPr lang="en-US" smtClean="0"/>
               <a:pPr/>
-              <a:t>8/14/2018</a:t>
+              <a:t>10/12/2018</a:t>
             </a:fld>
             <a:endParaRPr lang="en-US"/>
           </a:p>
@@ -1767,7 +1767,7 @@
             <a:fld id="{1D8BD707-D9CF-40AE-B4C6-C98DA3205C09}" type="datetimeFigureOut">
               <a:rPr lang="en-US" smtClean="0"/>
               <a:pPr/>
-              <a:t>8/14/2018</a:t>
+              <a:t>10/12/2018</a:t>
             </a:fld>
             <a:endParaRPr lang="en-US"/>
           </a:p>
@@ -1882,7 +1882,7 @@
             <a:fld id="{1D8BD707-D9CF-40AE-B4C6-C98DA3205C09}" type="datetimeFigureOut">
               <a:rPr lang="en-US" smtClean="0"/>
               <a:pPr/>
-              <a:t>8/14/2018</a:t>
+              <a:t>10/12/2018</a:t>
             </a:fld>
             <a:endParaRPr lang="en-US"/>
           </a:p>
@@ -1974,7 +1974,7 @@
             <a:fld id="{1D8BD707-D9CF-40AE-B4C6-C98DA3205C09}" type="datetimeFigureOut">
               <a:rPr lang="en-US" smtClean="0"/>
               <a:pPr/>
-              <a:t>8/14/2018</a:t>
+              <a:t>10/12/2018</a:t>
             </a:fld>
             <a:endParaRPr lang="en-US"/>
           </a:p>
@@ -2248,7 +2248,7 @@
             <a:fld id="{1D8BD707-D9CF-40AE-B4C6-C98DA3205C09}" type="datetimeFigureOut">
               <a:rPr lang="en-US" smtClean="0"/>
               <a:pPr/>
-              <a:t>8/14/2018</a:t>
+              <a:t>10/12/2018</a:t>
             </a:fld>
             <a:endParaRPr lang="en-US"/>
           </a:p>
@@ -2498,7 +2498,7 @@
             <a:fld id="{1D8BD707-D9CF-40AE-B4C6-C98DA3205C09}" type="datetimeFigureOut">
               <a:rPr lang="en-US" smtClean="0"/>
               <a:pPr/>
-              <a:t>8/14/2018</a:t>
+              <a:t>10/12/2018</a:t>
             </a:fld>
             <a:endParaRPr lang="en-US"/>
           </a:p>
@@ -2708,7 +2708,7 @@
             <a:fld id="{1D8BD707-D9CF-40AE-B4C6-C98DA3205C09}" type="datetimeFigureOut">
               <a:rPr lang="en-US" smtClean="0"/>
               <a:pPr/>
-              <a:t>8/14/2018</a:t>
+              <a:t>10/12/2018</a:t>
             </a:fld>
             <a:endParaRPr lang="en-US"/>
           </a:p>
@@ -5760,23 +5760,25 @@
             </a:r>
             <a:r>
               <a:rPr lang="en-US" dirty="0" smtClean="0"/>
-              <a:t> Spring Core - </a:t>
-            </a:r>
+              <a:t> </a:t>
+            </a:r>
+            <a:r>
+              <a:rPr lang="en-US" smtClean="0"/>
+              <a:t>Spring </a:t>
+            </a:r>
+            <a:r>
+              <a:rPr lang="en-US" smtClean="0"/>
+              <a:t>Core</a:t>
+            </a:r>
+            <a:endParaRPr lang="en-US" b="1" dirty="0" smtClean="0"/>
+          </a:p>
+          <a:p>
+            <a:pPr lvl="1"/>
             <a:r>
               <a:rPr lang="en-US" b="1" dirty="0"/>
-              <a:t>Bean </a:t>
-            </a:r>
-            <a:r>
-              <a:rPr lang="en-US" b="1" dirty="0" smtClean="0"/>
-              <a:t>Wiring</a:t>
-            </a:r>
-          </a:p>
-          <a:p>
-            <a:pPr lvl="1"/>
-            <a:r>
-              <a:rPr lang="en-US" b="1" dirty="0" smtClean="0"/>
-              <a:t>Dependency Injection</a:t>
-            </a:r>
+              <a:t>Dependency Injection - Bean Wiring</a:t>
+            </a:r>
+            <a:endParaRPr lang="en-US" b="1" dirty="0" smtClean="0"/>
           </a:p>
           <a:p>
             <a:pPr lvl="1"/>
@@ -5786,7 +5788,11 @@
             </a:r>
             <a:r>
               <a:rPr lang="en-US" b="1" dirty="0" smtClean="0"/>
-              <a:t> container</a:t>
+              <a:t> </a:t>
+            </a:r>
+            <a:r>
+              <a:rPr lang="en-US" b="1" dirty="0" smtClean="0"/>
+              <a:t>container</a:t>
             </a:r>
           </a:p>
           <a:p>
